--- a/シーンおよびフェーズ遷移図.pptx
+++ b/シーンおよびフェーズ遷移図.pptx
@@ -117,12 +117,12 @@
   <pc:docChgLst>
     <pc:chgData name="Hiroto Sakaguchi" userId="0724659657a61cd1" providerId="LiveId" clId="{9A01E3FB-675C-4875-A943-6EF1219D078C}"/>
     <pc:docChg chg="undo redo custSel modSld">
-      <pc:chgData name="Hiroto Sakaguchi" userId="0724659657a61cd1" providerId="LiveId" clId="{9A01E3FB-675C-4875-A943-6EF1219D078C}" dt="2024-03-12T17:09:22.106" v="1580" actId="14100"/>
+      <pc:chgData name="Hiroto Sakaguchi" userId="0724659657a61cd1" providerId="LiveId" clId="{9A01E3FB-675C-4875-A943-6EF1219D078C}" dt="2024-03-12T17:24:26.207" v="1581" actId="1076"/>
       <pc:docMkLst>
         <pc:docMk/>
       </pc:docMkLst>
       <pc:sldChg chg="addSp delSp modSp mod">
-        <pc:chgData name="Hiroto Sakaguchi" userId="0724659657a61cd1" providerId="LiveId" clId="{9A01E3FB-675C-4875-A943-6EF1219D078C}" dt="2024-03-12T17:09:22.106" v="1580" actId="14100"/>
+        <pc:chgData name="Hiroto Sakaguchi" userId="0724659657a61cd1" providerId="LiveId" clId="{9A01E3FB-675C-4875-A943-6EF1219D078C}" dt="2024-03-12T17:24:26.207" v="1581" actId="1076"/>
         <pc:sldMkLst>
           <pc:docMk/>
           <pc:sldMk cId="257157221" sldId="256"/>
@@ -384,7 +384,7 @@
           </ac:spMkLst>
         </pc:spChg>
         <pc:spChg chg="mod ord">
-          <ac:chgData name="Hiroto Sakaguchi" userId="0724659657a61cd1" providerId="LiveId" clId="{9A01E3FB-675C-4875-A943-6EF1219D078C}" dt="2024-03-12T17:03:11.798" v="1418" actId="14100"/>
+          <ac:chgData name="Hiroto Sakaguchi" userId="0724659657a61cd1" providerId="LiveId" clId="{9A01E3FB-675C-4875-A943-6EF1219D078C}" dt="2024-03-12T17:24:26.207" v="1581" actId="1076"/>
           <ac:spMkLst>
             <pc:docMk/>
             <pc:sldMk cId="257157221" sldId="256"/>
@@ -4961,7 +4961,7 @@
         </p:nvSpPr>
         <p:spPr>
           <a:xfrm>
-            <a:off x="2176405" y="1074037"/>
+            <a:off x="2176405" y="1067149"/>
             <a:ext cx="9923944" cy="5440331"/>
           </a:xfrm>
           <a:prstGeom prst="rect">
@@ -8507,18 +8507,13 @@
           <a:p>
             <a:pPr algn="ctr"/>
             <a:r>
-              <a:rPr lang="en-US" altLang="ja-JP" sz="900" dirty="0" err="1">
+              <a:rPr lang="en-US" altLang="ja-JP" sz="900" dirty="0">
                 <a:solidFill>
                   <a:schemeClr val="tx1"/>
                 </a:solidFill>
               </a:rPr>
               <a:t>TitleManager.cs</a:t>
             </a:r>
-            <a:endParaRPr lang="en-US" altLang="ja-JP" sz="900" dirty="0">
-              <a:solidFill>
-                <a:schemeClr val="tx1"/>
-              </a:solidFill>
-            </a:endParaRPr>
           </a:p>
         </p:txBody>
       </p:sp>
@@ -8568,18 +8563,13 @@
           <a:p>
             <a:pPr algn="ctr"/>
             <a:r>
-              <a:rPr lang="en-US" altLang="ja-JP" sz="900" dirty="0" err="1">
+              <a:rPr lang="en-US" altLang="ja-JP" sz="900" dirty="0">
                 <a:solidFill>
                   <a:schemeClr val="tx1"/>
                 </a:solidFill>
               </a:rPr>
               <a:t>TownManager.cs</a:t>
             </a:r>
-            <a:endParaRPr lang="en-US" altLang="ja-JP" sz="900" dirty="0">
-              <a:solidFill>
-                <a:schemeClr val="tx1"/>
-              </a:solidFill>
-            </a:endParaRPr>
           </a:p>
         </p:txBody>
       </p:sp>
@@ -8629,18 +8619,13 @@
           <a:p>
             <a:pPr algn="ctr"/>
             <a:r>
-              <a:rPr lang="en-US" altLang="ja-JP" sz="900" dirty="0" err="1">
+              <a:rPr lang="en-US" altLang="ja-JP" sz="900" dirty="0">
                 <a:solidFill>
                   <a:schemeClr val="tx1"/>
                 </a:solidFill>
               </a:rPr>
               <a:t>DungeonManager.cs</a:t>
             </a:r>
-            <a:endParaRPr lang="en-US" altLang="ja-JP" sz="900" dirty="0">
-              <a:solidFill>
-                <a:schemeClr val="tx1"/>
-              </a:solidFill>
-            </a:endParaRPr>
           </a:p>
         </p:txBody>
       </p:sp>
@@ -8690,18 +8675,13 @@
           <a:p>
             <a:pPr algn="ctr"/>
             <a:r>
-              <a:rPr lang="en-US" altLang="ja-JP" sz="900" dirty="0" err="1">
+              <a:rPr lang="en-US" altLang="ja-JP" sz="900" dirty="0">
                 <a:solidFill>
                   <a:schemeClr val="tx1"/>
                 </a:solidFill>
               </a:rPr>
               <a:t>BattleManager.cs</a:t>
             </a:r>
-            <a:endParaRPr lang="en-US" altLang="ja-JP" sz="900" dirty="0">
-              <a:solidFill>
-                <a:schemeClr val="tx1"/>
-              </a:solidFill>
-            </a:endParaRPr>
           </a:p>
         </p:txBody>
       </p:sp>
@@ -8751,18 +8731,13 @@
           <a:p>
             <a:pPr algn="ctr"/>
             <a:r>
-              <a:rPr lang="en-US" altLang="ja-JP" sz="900" dirty="0" err="1">
+              <a:rPr lang="en-US" altLang="ja-JP" sz="900" dirty="0">
                 <a:solidFill>
                   <a:schemeClr val="tx1"/>
                 </a:solidFill>
               </a:rPr>
               <a:t>YadoyaManager.cs</a:t>
             </a:r>
-            <a:endParaRPr lang="en-US" altLang="ja-JP" sz="900" dirty="0">
-              <a:solidFill>
-                <a:schemeClr val="tx1"/>
-              </a:solidFill>
-            </a:endParaRPr>
           </a:p>
         </p:txBody>
       </p:sp>
@@ -8812,18 +8787,13 @@
           <a:p>
             <a:pPr algn="ctr"/>
             <a:r>
-              <a:rPr lang="en-US" altLang="ja-JP" sz="900" dirty="0" err="1">
+              <a:rPr lang="en-US" altLang="ja-JP" sz="900" dirty="0">
                 <a:solidFill>
                   <a:schemeClr val="tx1"/>
                 </a:solidFill>
               </a:rPr>
               <a:t>SukiruyaManager.cs</a:t>
             </a:r>
-            <a:endParaRPr lang="en-US" altLang="ja-JP" sz="900" dirty="0">
-              <a:solidFill>
-                <a:schemeClr val="tx1"/>
-              </a:solidFill>
-            </a:endParaRPr>
           </a:p>
         </p:txBody>
       </p:sp>
@@ -8873,18 +8843,13 @@
           <a:p>
             <a:pPr algn="ctr"/>
             <a:r>
-              <a:rPr lang="en-US" altLang="ja-JP" sz="700" dirty="0" err="1">
+              <a:rPr lang="en-US" altLang="ja-JP" sz="700" dirty="0">
                 <a:solidFill>
                   <a:schemeClr val="tx1"/>
                 </a:solidFill>
               </a:rPr>
               <a:t>SukiruyaChoosePhase.cs</a:t>
             </a:r>
-            <a:endParaRPr lang="en-US" altLang="ja-JP" sz="700" dirty="0">
-              <a:solidFill>
-                <a:schemeClr val="tx1"/>
-              </a:solidFill>
-            </a:endParaRPr>
           </a:p>
         </p:txBody>
       </p:sp>
@@ -8934,18 +8899,13 @@
           <a:p>
             <a:pPr algn="ctr"/>
             <a:r>
-              <a:rPr lang="en-US" altLang="ja-JP" sz="700" dirty="0" err="1">
+              <a:rPr lang="en-US" altLang="ja-JP" sz="700" dirty="0">
                 <a:solidFill>
                   <a:schemeClr val="tx1"/>
                 </a:solidFill>
               </a:rPr>
               <a:t>YadoyaChoosePhase.cs</a:t>
             </a:r>
-            <a:endParaRPr lang="en-US" altLang="ja-JP" sz="700" dirty="0">
-              <a:solidFill>
-                <a:schemeClr val="tx1"/>
-              </a:solidFill>
-            </a:endParaRPr>
           </a:p>
         </p:txBody>
       </p:sp>
@@ -8995,18 +8955,13 @@
           <a:p>
             <a:pPr algn="ctr"/>
             <a:r>
-              <a:rPr lang="en-US" altLang="ja-JP" sz="700" dirty="0" err="1">
+              <a:rPr lang="en-US" altLang="ja-JP" sz="700" dirty="0">
                 <a:solidFill>
                   <a:schemeClr val="tx1"/>
                 </a:solidFill>
               </a:rPr>
               <a:t>BattleChooseSkillPhase.cs</a:t>
             </a:r>
-            <a:endParaRPr lang="en-US" altLang="ja-JP" sz="700" dirty="0">
-              <a:solidFill>
-                <a:schemeClr val="tx1"/>
-              </a:solidFill>
-            </a:endParaRPr>
           </a:p>
         </p:txBody>
       </p:sp>
@@ -9056,18 +9011,13 @@
           <a:p>
             <a:pPr algn="ctr"/>
             <a:r>
-              <a:rPr lang="en-US" altLang="ja-JP" sz="700" dirty="0" err="1">
+              <a:rPr lang="en-US" altLang="ja-JP" sz="700" dirty="0">
                 <a:solidFill>
                   <a:schemeClr val="tx1"/>
                 </a:solidFill>
               </a:rPr>
               <a:t>DungeonMapMovePhase.cs</a:t>
             </a:r>
-            <a:endParaRPr lang="en-US" altLang="ja-JP" sz="700" dirty="0">
-              <a:solidFill>
-                <a:schemeClr val="tx1"/>
-              </a:solidFill>
-            </a:endParaRPr>
           </a:p>
         </p:txBody>
       </p:sp>
@@ -9117,18 +9067,13 @@
           <a:p>
             <a:pPr algn="ctr"/>
             <a:r>
-              <a:rPr lang="en-US" altLang="ja-JP" sz="700" dirty="0" err="1">
+              <a:rPr lang="en-US" altLang="ja-JP" sz="700" dirty="0">
                 <a:solidFill>
                   <a:schemeClr val="tx1"/>
                 </a:solidFill>
               </a:rPr>
               <a:t>TownChoosePhase.cs</a:t>
             </a:r>
-            <a:endParaRPr lang="en-US" altLang="ja-JP" sz="700" dirty="0">
-              <a:solidFill>
-                <a:schemeClr val="tx1"/>
-              </a:solidFill>
-            </a:endParaRPr>
           </a:p>
         </p:txBody>
       </p:sp>
@@ -9178,18 +9123,13 @@
           <a:p>
             <a:pPr algn="ctr"/>
             <a:r>
-              <a:rPr lang="en-US" altLang="ja-JP" sz="700" dirty="0" err="1">
+              <a:rPr lang="en-US" altLang="ja-JP" sz="700" dirty="0">
                 <a:solidFill>
                   <a:schemeClr val="tx1"/>
                 </a:solidFill>
               </a:rPr>
               <a:t>TitleChoosePhase.cs</a:t>
             </a:r>
-            <a:endParaRPr lang="en-US" altLang="ja-JP" sz="700" dirty="0">
-              <a:solidFill>
-                <a:schemeClr val="tx1"/>
-              </a:solidFill>
-            </a:endParaRPr>
           </a:p>
         </p:txBody>
       </p:sp>
@@ -9239,18 +9179,13 @@
           <a:p>
             <a:pPr algn="ctr"/>
             <a:r>
-              <a:rPr lang="en-US" altLang="ja-JP" sz="700" dirty="0" err="1">
+              <a:rPr lang="en-US" altLang="ja-JP" sz="700" dirty="0">
                 <a:solidFill>
                   <a:schemeClr val="tx1"/>
                 </a:solidFill>
               </a:rPr>
               <a:t>TitleOptionSettingPhase.cs</a:t>
             </a:r>
-            <a:endParaRPr lang="en-US" altLang="ja-JP" sz="700" dirty="0">
-              <a:solidFill>
-                <a:schemeClr val="tx1"/>
-              </a:solidFill>
-            </a:endParaRPr>
           </a:p>
         </p:txBody>
       </p:sp>
@@ -9300,18 +9235,13 @@
           <a:p>
             <a:pPr algn="ctr"/>
             <a:r>
-              <a:rPr lang="en-US" altLang="ja-JP" sz="700" dirty="0" err="1">
+              <a:rPr lang="en-US" altLang="ja-JP" sz="700" dirty="0">
                 <a:solidFill>
                   <a:schemeClr val="tx1"/>
                 </a:solidFill>
               </a:rPr>
               <a:t>TownOptionSettingPhase.cs</a:t>
             </a:r>
-            <a:endParaRPr lang="en-US" altLang="ja-JP" sz="700" dirty="0">
-              <a:solidFill>
-                <a:schemeClr val="tx1"/>
-              </a:solidFill>
-            </a:endParaRPr>
           </a:p>
         </p:txBody>
       </p:sp>
@@ -9361,18 +9291,13 @@
           <a:p>
             <a:pPr algn="ctr"/>
             <a:r>
-              <a:rPr lang="en-US" altLang="ja-JP" sz="700" dirty="0" err="1">
+              <a:rPr lang="en-US" altLang="ja-JP" sz="700" dirty="0">
                 <a:solidFill>
                   <a:schemeClr val="tx1"/>
                 </a:solidFill>
               </a:rPr>
               <a:t>DungeonChoosePhase.cs</a:t>
             </a:r>
-            <a:endParaRPr lang="en-US" altLang="ja-JP" sz="700" dirty="0">
-              <a:solidFill>
-                <a:schemeClr val="tx1"/>
-              </a:solidFill>
-            </a:endParaRPr>
           </a:p>
         </p:txBody>
       </p:sp>
@@ -9422,18 +9347,13 @@
           <a:p>
             <a:pPr algn="ctr"/>
             <a:r>
-              <a:rPr lang="en-US" altLang="ja-JP" sz="700" dirty="0" err="1">
+              <a:rPr lang="en-US" altLang="ja-JP" sz="700" dirty="0">
                 <a:solidFill>
                   <a:schemeClr val="tx1"/>
                 </a:solidFill>
               </a:rPr>
               <a:t>BattleChooseTargetPhase.cs</a:t>
             </a:r>
-            <a:endParaRPr lang="en-US" altLang="ja-JP" sz="700" dirty="0">
-              <a:solidFill>
-                <a:schemeClr val="tx1"/>
-              </a:solidFill>
-            </a:endParaRPr>
           </a:p>
         </p:txBody>
       </p:sp>
@@ -9483,18 +9403,13 @@
           <a:p>
             <a:pPr algn="ctr"/>
             <a:r>
-              <a:rPr lang="en-US" altLang="ja-JP" sz="700" dirty="0" err="1">
+              <a:rPr lang="en-US" altLang="ja-JP" sz="700" dirty="0">
                 <a:solidFill>
                   <a:schemeClr val="tx1"/>
                 </a:solidFill>
               </a:rPr>
               <a:t>SukiruyaChooseBuySkillPhase.cs</a:t>
             </a:r>
-            <a:endParaRPr lang="en-US" altLang="ja-JP" sz="700" dirty="0">
-              <a:solidFill>
-                <a:schemeClr val="tx1"/>
-              </a:solidFill>
-            </a:endParaRPr>
           </a:p>
         </p:txBody>
       </p:sp>
@@ -9544,18 +9459,13 @@
           <a:p>
             <a:pPr algn="ctr"/>
             <a:r>
-              <a:rPr lang="en-US" altLang="ja-JP" sz="700" dirty="0" err="1">
+              <a:rPr lang="en-US" altLang="ja-JP" sz="700" dirty="0">
                 <a:solidFill>
                   <a:schemeClr val="tx1"/>
                 </a:solidFill>
               </a:rPr>
               <a:t>TownChooseCharaPhase.cs</a:t>
             </a:r>
-            <a:endParaRPr lang="en-US" altLang="ja-JP" sz="700" dirty="0">
-              <a:solidFill>
-                <a:schemeClr val="tx1"/>
-              </a:solidFill>
-            </a:endParaRPr>
           </a:p>
         </p:txBody>
       </p:sp>
@@ -9605,18 +9515,13 @@
           <a:p>
             <a:pPr algn="ctr"/>
             <a:r>
-              <a:rPr lang="en-US" altLang="ja-JP" sz="700" dirty="0" err="1">
+              <a:rPr lang="en-US" altLang="ja-JP" sz="700" dirty="0">
                 <a:solidFill>
                   <a:schemeClr val="tx1"/>
                 </a:solidFill>
               </a:rPr>
               <a:t>DungeonChooseSkillPhase.cs</a:t>
             </a:r>
-            <a:endParaRPr lang="en-US" altLang="ja-JP" sz="700" dirty="0">
-              <a:solidFill>
-                <a:schemeClr val="tx1"/>
-              </a:solidFill>
-            </a:endParaRPr>
           </a:p>
         </p:txBody>
       </p:sp>
@@ -9666,18 +9571,13 @@
           <a:p>
             <a:pPr algn="ctr"/>
             <a:r>
-              <a:rPr lang="en-US" altLang="ja-JP" sz="700" dirty="0" err="1">
+              <a:rPr lang="en-US" altLang="ja-JP" sz="700" dirty="0">
                 <a:solidFill>
                   <a:schemeClr val="tx1"/>
                 </a:solidFill>
               </a:rPr>
               <a:t>BattleEnemySkillPhase.cs</a:t>
             </a:r>
-            <a:endParaRPr lang="en-US" altLang="ja-JP" sz="700" dirty="0">
-              <a:solidFill>
-                <a:schemeClr val="tx1"/>
-              </a:solidFill>
-            </a:endParaRPr>
           </a:p>
         </p:txBody>
       </p:sp>
@@ -9727,18 +9627,13 @@
           <a:p>
             <a:pPr algn="ctr"/>
             <a:r>
-              <a:rPr lang="en-US" altLang="ja-JP" sz="700" dirty="0" err="1">
+              <a:rPr lang="en-US" altLang="ja-JP" sz="700" dirty="0">
                 <a:solidFill>
                   <a:schemeClr val="tx1"/>
                 </a:solidFill>
               </a:rPr>
               <a:t>SukiruyaChooseSkillPhase.cs</a:t>
             </a:r>
-            <a:endParaRPr lang="en-US" altLang="ja-JP" sz="700" dirty="0">
-              <a:solidFill>
-                <a:schemeClr val="tx1"/>
-              </a:solidFill>
-            </a:endParaRPr>
           </a:p>
         </p:txBody>
       </p:sp>
@@ -9788,18 +9683,13 @@
           <a:p>
             <a:pPr algn="ctr"/>
             <a:r>
-              <a:rPr lang="en-US" altLang="ja-JP" sz="700" dirty="0" err="1">
+              <a:rPr lang="en-US" altLang="ja-JP" sz="700" dirty="0">
                 <a:solidFill>
                   <a:schemeClr val="tx1"/>
                 </a:solidFill>
               </a:rPr>
               <a:t>TownChooseSkillPhase.cs</a:t>
             </a:r>
-            <a:endParaRPr lang="en-US" altLang="ja-JP" sz="700" dirty="0">
-              <a:solidFill>
-                <a:schemeClr val="tx1"/>
-              </a:solidFill>
-            </a:endParaRPr>
           </a:p>
         </p:txBody>
       </p:sp>
@@ -9849,18 +9739,13 @@
           <a:p>
             <a:pPr algn="ctr"/>
             <a:r>
-              <a:rPr lang="en-US" altLang="ja-JP" sz="700" dirty="0" err="1">
+              <a:rPr lang="en-US" altLang="ja-JP" sz="700" dirty="0">
                 <a:solidFill>
                   <a:schemeClr val="tx1"/>
                 </a:solidFill>
               </a:rPr>
               <a:t>DungeonChooseTargetPhase.cs</a:t>
             </a:r>
-            <a:endParaRPr lang="en-US" altLang="ja-JP" sz="700" dirty="0">
-              <a:solidFill>
-                <a:schemeClr val="tx1"/>
-              </a:solidFill>
-            </a:endParaRPr>
           </a:p>
         </p:txBody>
       </p:sp>
@@ -9910,18 +9795,13 @@
           <a:p>
             <a:pPr algn="ctr"/>
             <a:r>
-              <a:rPr lang="en-US" altLang="ja-JP" sz="700" dirty="0" err="1">
+              <a:rPr lang="en-US" altLang="ja-JP" sz="700" dirty="0">
                 <a:solidFill>
                   <a:schemeClr val="tx1"/>
                 </a:solidFill>
               </a:rPr>
               <a:t>BattleExecutePhase.cs</a:t>
             </a:r>
-            <a:endParaRPr lang="en-US" altLang="ja-JP" sz="700" dirty="0">
-              <a:solidFill>
-                <a:schemeClr val="tx1"/>
-              </a:solidFill>
-            </a:endParaRPr>
           </a:p>
         </p:txBody>
       </p:sp>
@@ -9971,18 +9851,13 @@
           <a:p>
             <a:pPr algn="ctr"/>
             <a:r>
-              <a:rPr lang="en-US" altLang="ja-JP" sz="700" dirty="0" err="1">
+              <a:rPr lang="en-US" altLang="ja-JP" sz="700" dirty="0">
                 <a:solidFill>
                   <a:schemeClr val="tx1"/>
                 </a:solidFill>
               </a:rPr>
               <a:t>SukiruyaChooseTargetPhase.cs</a:t>
             </a:r>
-            <a:endParaRPr lang="en-US" altLang="ja-JP" sz="700" dirty="0">
-              <a:solidFill>
-                <a:schemeClr val="tx1"/>
-              </a:solidFill>
-            </a:endParaRPr>
           </a:p>
         </p:txBody>
       </p:sp>
@@ -10032,18 +9907,13 @@
           <a:p>
             <a:pPr algn="ctr"/>
             <a:r>
-              <a:rPr lang="en-US" altLang="ja-JP" sz="700" dirty="0" err="1">
+              <a:rPr lang="en-US" altLang="ja-JP" sz="700" dirty="0">
                 <a:solidFill>
                   <a:schemeClr val="tx1"/>
                 </a:solidFill>
               </a:rPr>
               <a:t>DungeonChooseStatusCharaPhase.cs</a:t>
             </a:r>
-            <a:endParaRPr lang="en-US" altLang="ja-JP" sz="700" dirty="0">
-              <a:solidFill>
-                <a:schemeClr val="tx1"/>
-              </a:solidFill>
-            </a:endParaRPr>
           </a:p>
         </p:txBody>
       </p:sp>
@@ -10093,18 +9963,13 @@
           <a:p>
             <a:pPr algn="ctr"/>
             <a:r>
-              <a:rPr lang="en-US" altLang="ja-JP" sz="700" dirty="0" err="1">
+              <a:rPr lang="en-US" altLang="ja-JP" sz="700" dirty="0">
                 <a:solidFill>
                   <a:schemeClr val="tx1"/>
                 </a:solidFill>
               </a:rPr>
               <a:t>BattleResultPhase.cs</a:t>
             </a:r>
-            <a:endParaRPr lang="en-US" altLang="ja-JP" sz="700" dirty="0">
-              <a:solidFill>
-                <a:schemeClr val="tx1"/>
-              </a:solidFill>
-            </a:endParaRPr>
           </a:p>
         </p:txBody>
       </p:sp>
@@ -10154,18 +10019,13 @@
           <a:p>
             <a:pPr algn="ctr"/>
             <a:r>
-              <a:rPr lang="en-US" altLang="ja-JP" sz="700" dirty="0" err="1">
+              <a:rPr lang="en-US" altLang="ja-JP" sz="700" dirty="0">
                 <a:solidFill>
                   <a:schemeClr val="tx1"/>
                 </a:solidFill>
               </a:rPr>
               <a:t>SukiruyaChooseOffTargetPhase.cs</a:t>
             </a:r>
-            <a:endParaRPr lang="en-US" altLang="ja-JP" sz="700" dirty="0">
-              <a:solidFill>
-                <a:schemeClr val="tx1"/>
-              </a:solidFill>
-            </a:endParaRPr>
           </a:p>
         </p:txBody>
       </p:sp>
@@ -10215,18 +10075,13 @@
           <a:p>
             <a:pPr algn="ctr"/>
             <a:r>
-              <a:rPr lang="en-US" altLang="ja-JP" sz="700" dirty="0" err="1">
+              <a:rPr lang="en-US" altLang="ja-JP" sz="700" dirty="0">
                 <a:solidFill>
                   <a:schemeClr val="tx1"/>
                 </a:solidFill>
               </a:rPr>
               <a:t>DungeonChooseStatusSkillPhase.cs</a:t>
             </a:r>
-            <a:endParaRPr lang="en-US" altLang="ja-JP" sz="700" dirty="0">
-              <a:solidFill>
-                <a:schemeClr val="tx1"/>
-              </a:solidFill>
-            </a:endParaRPr>
           </a:p>
         </p:txBody>
       </p:sp>
@@ -10276,18 +10131,13 @@
           <a:p>
             <a:pPr algn="ctr"/>
             <a:r>
-              <a:rPr lang="en-US" altLang="ja-JP" sz="700" dirty="0" err="1">
+              <a:rPr lang="en-US" altLang="ja-JP" sz="700" dirty="0">
                 <a:solidFill>
                   <a:schemeClr val="tx1"/>
                 </a:solidFill>
               </a:rPr>
               <a:t>SukiruyaChooseOffSkillPhase.cs</a:t>
             </a:r>
-            <a:endParaRPr lang="en-US" altLang="ja-JP" sz="700" dirty="0">
-              <a:solidFill>
-                <a:schemeClr val="tx1"/>
-              </a:solidFill>
-            </a:endParaRPr>
           </a:p>
         </p:txBody>
       </p:sp>
@@ -10404,23 +10254,7 @@
                   <a:schemeClr val="tx1"/>
                 </a:solidFill>
               </a:rPr>
-              <a:t>(***</a:t>
-            </a:r>
-            <a:r>
-              <a:rPr lang="en-US" altLang="ja-JP" sz="1050" dirty="0" err="1">
-                <a:solidFill>
-                  <a:schemeClr val="tx1"/>
-                </a:solidFill>
-              </a:rPr>
-              <a:t>StartPhase.cs</a:t>
-            </a:r>
-            <a:r>
-              <a:rPr lang="en-US" altLang="ja-JP" sz="1050" dirty="0">
-                <a:solidFill>
-                  <a:schemeClr val="tx1"/>
-                </a:solidFill>
-              </a:rPr>
-              <a:t>)</a:t>
+              <a:t>(***StartPhase.cs)</a:t>
             </a:r>
             <a:r>
               <a:rPr lang="ja-JP" altLang="en-US" sz="1050" dirty="0">
@@ -10436,23 +10270,7 @@
                   <a:schemeClr val="tx1"/>
                 </a:solidFill>
               </a:rPr>
-              <a:t>(***</a:t>
-            </a:r>
-            <a:r>
-              <a:rPr lang="en-US" altLang="ja-JP" sz="1050" dirty="0" err="1">
-                <a:solidFill>
-                  <a:schemeClr val="tx1"/>
-                </a:solidFill>
-              </a:rPr>
-              <a:t>EndPhase.cs</a:t>
-            </a:r>
-            <a:r>
-              <a:rPr lang="en-US" altLang="ja-JP" sz="1050" dirty="0">
-                <a:solidFill>
-                  <a:schemeClr val="tx1"/>
-                </a:solidFill>
-              </a:rPr>
-              <a:t>)</a:t>
+              <a:t>(***EndPhase.cs)</a:t>
             </a:r>
             <a:r>
               <a:rPr lang="ja-JP" altLang="en-US" sz="1050" dirty="0">
@@ -10485,7 +10303,7 @@
         <p:spPr>
           <a:xfrm>
             <a:off x="2155671" y="6568489"/>
-            <a:ext cx="4332760" cy="234000"/>
+            <a:ext cx="4340380" cy="234000"/>
           </a:xfrm>
           <a:prstGeom prst="rect">
             <a:avLst/>
